--- a/cfg.pptx
+++ b/cfg.pptx
@@ -7,10 +7,13 @@
   <p:sldIdLst>
     <p:sldId id="257" r:id="rId2"/>
     <p:sldId id="258" r:id="rId3"/>
-    <p:sldId id="259" r:id="rId4"/>
-    <p:sldId id="260" r:id="rId5"/>
-    <p:sldId id="261" r:id="rId6"/>
-    <p:sldId id="262" r:id="rId7"/>
+    <p:sldId id="269" r:id="rId4"/>
+    <p:sldId id="266" r:id="rId5"/>
+    <p:sldId id="265" r:id="rId6"/>
+    <p:sldId id="268" r:id="rId7"/>
+    <p:sldId id="260" r:id="rId8"/>
+    <p:sldId id="261" r:id="rId9"/>
+    <p:sldId id="262" r:id="rId10"/>
   </p:sldIdLst>
   <p:sldSz cx="9144000" cy="6858000" type="screen4x3"/>
   <p:notesSz cx="6858000" cy="9144000"/>
@@ -3066,11 +3069,114 @@
           <a:noFill/>
         </p:spPr>
       </p:pic>
+      <p:pic>
+        <p:nvPicPr>
+          <p:cNvPr id="1027" name="Picture 3" descr="C:\Users\satya_000\Desktop\jpmorgan-chase_416x416.jpg"/>
+          <p:cNvPicPr>
+            <a:picLocks noChangeAspect="1" noChangeArrowheads="1"/>
+          </p:cNvPicPr>
+          <p:nvPr/>
+        </p:nvPicPr>
+        <p:blipFill>
+          <a:blip r:embed="rId3" cstate="print"/>
+          <a:srcRect/>
+          <a:stretch>
+            <a:fillRect/>
+          </a:stretch>
+        </p:blipFill>
+        <p:spPr bwMode="auto">
+          <a:xfrm>
+            <a:off x="251520" y="476672"/>
+            <a:ext cx="1777504" cy="1777504"/>
+          </a:xfrm>
+          <a:prstGeom prst="rect">
+            <a:avLst/>
+          </a:prstGeom>
+          <a:noFill/>
+        </p:spPr>
+      </p:pic>
+      <p:pic>
+        <p:nvPicPr>
+          <p:cNvPr id="1028" name="Picture 4" descr="C:\Users\satya_000\Desktop\learning curve.png"/>
+          <p:cNvPicPr>
+            <a:picLocks noChangeAspect="1" noChangeArrowheads="1"/>
+          </p:cNvPicPr>
+          <p:nvPr/>
+        </p:nvPicPr>
+        <p:blipFill>
+          <a:blip r:embed="rId4" cstate="print"/>
+          <a:srcRect/>
+          <a:stretch>
+            <a:fillRect/>
+          </a:stretch>
+        </p:blipFill>
+        <p:spPr bwMode="auto">
+          <a:xfrm>
+            <a:off x="6948264" y="476672"/>
+            <a:ext cx="1905000" cy="1905000"/>
+          </a:xfrm>
+          <a:prstGeom prst="rect">
+            <a:avLst/>
+          </a:prstGeom>
+          <a:noFill/>
+        </p:spPr>
+      </p:pic>
+      <p:sp>
+        <p:nvSpPr>
+          <p:cNvPr id="5" name="TextBox 4"/>
+          <p:cNvSpPr txBox="1"/>
+          <p:nvPr/>
+        </p:nvSpPr>
+        <p:spPr>
+          <a:xfrm>
+            <a:off x="6444208" y="5157192"/>
+            <a:ext cx="2520280" cy="461665"/>
+          </a:xfrm>
+          <a:prstGeom prst="rect">
+            <a:avLst/>
+          </a:prstGeom>
+          <a:noFill/>
+        </p:spPr>
+        <p:txBody>
+          <a:bodyPr wrap="square" rtlCol="0">
+            <a:spAutoFit/>
+          </a:bodyPr>
+          <a:lstStyle/>
+          <a:p>
+            <a:r>
+              <a:rPr lang="en-IN" sz="2400" b="1" dirty="0" smtClean="0">
+                <a:solidFill>
+                  <a:schemeClr val="tx1">
+                    <a:lumMod val="85000"/>
+                    <a:lumOff val="15000"/>
+                  </a:schemeClr>
+                </a:solidFill>
+              </a:rPr>
+              <a:t>TEAM 19</a:t>
+            </a:r>
+            <a:endParaRPr lang="en-US" sz="2400" b="1" dirty="0">
+              <a:solidFill>
+                <a:schemeClr val="tx1">
+                  <a:lumMod val="85000"/>
+                  <a:lumOff val="15000"/>
+                </a:schemeClr>
+              </a:solidFill>
+            </a:endParaRPr>
+          </a:p>
+        </p:txBody>
+      </p:sp>
     </p:spTree>
   </p:cSld>
   <p:clrMapOvr>
     <a:masterClrMapping/>
   </p:clrMapOvr>
+  <p:timing>
+    <p:tnLst>
+      <p:par>
+        <p:cTn id="1" dur="indefinite" restart="never" nodeType="tmRoot"/>
+      </p:par>
+    </p:tnLst>
+  </p:timing>
 </p:sld>
 </file>
 
@@ -3093,7 +3199,7 @@
       </p:grpSpPr>
       <p:pic>
         <p:nvPicPr>
-          <p:cNvPr id="2050" name="Picture 2" descr="C:\Users\satya_000\Downloads\JPMC CFG\2.jpg"/>
+          <p:cNvPr id="2051" name="Picture 3" descr="C:\Users\satya_000\Downloads\JPMC CFG (2)\2.jpg"/>
           <p:cNvPicPr>
             <a:picLocks noChangeAspect="1" noChangeArrowheads="1"/>
           </p:cNvPicPr>
@@ -3122,6 +3228,14 @@
   <p:clrMapOvr>
     <a:masterClrMapping/>
   </p:clrMapOvr>
+  <p:transition/>
+  <p:timing>
+    <p:tnLst>
+      <p:par>
+        <p:cTn id="1" dur="indefinite" restart="never" nodeType="tmRoot"/>
+      </p:par>
+    </p:tnLst>
+  </p:timing>
 </p:sld>
 </file>
 
@@ -3142,9 +3256,66 @@
           <a:chExt cx="0" cy="0"/>
         </a:xfrm>
       </p:grpSpPr>
+      <p:sp>
+        <p:nvSpPr>
+          <p:cNvPr id="2" name="Title 1"/>
+          <p:cNvSpPr>
+            <a:spLocks noGrp="1"/>
+          </p:cNvSpPr>
+          <p:nvPr>
+            <p:ph type="title"/>
+          </p:nvPr>
+        </p:nvSpPr>
+        <p:spPr/>
+        <p:txBody>
+          <a:bodyPr/>
+          <a:lstStyle/>
+          <a:p>
+            <a:endParaRPr lang="en-US"/>
+          </a:p>
+        </p:txBody>
+      </p:sp>
+      <p:sp>
+        <p:nvSpPr>
+          <p:cNvPr id="3" name="Content Placeholder 2"/>
+          <p:cNvSpPr>
+            <a:spLocks noGrp="1"/>
+          </p:cNvSpPr>
+          <p:nvPr>
+            <p:ph sz="half" idx="1"/>
+          </p:nvPr>
+        </p:nvSpPr>
+        <p:spPr/>
+        <p:txBody>
+          <a:bodyPr/>
+          <a:lstStyle/>
+          <a:p>
+            <a:endParaRPr lang="en-US"/>
+          </a:p>
+        </p:txBody>
+      </p:sp>
+      <p:sp>
+        <p:nvSpPr>
+          <p:cNvPr id="4" name="Content Placeholder 3"/>
+          <p:cNvSpPr>
+            <a:spLocks noGrp="1"/>
+          </p:cNvSpPr>
+          <p:nvPr>
+            <p:ph sz="half" idx="2"/>
+          </p:nvPr>
+        </p:nvSpPr>
+        <p:spPr/>
+        <p:txBody>
+          <a:bodyPr/>
+          <a:lstStyle/>
+          <a:p>
+            <a:endParaRPr lang="en-US"/>
+          </a:p>
+        </p:txBody>
+      </p:sp>
       <p:pic>
         <p:nvPicPr>
-          <p:cNvPr id="3074" name="Picture 2" descr="C:\Users\satya_000\Downloads\JPMC CFG\3.jpg"/>
+          <p:cNvPr id="9218" name="Picture 2" descr="C:\Users\satya_000\Downloads\JPMC CFG.jpg"/>
           <p:cNvPicPr>
             <a:picLocks noChangeAspect="1" noChangeArrowheads="1"/>
           </p:cNvPicPr>
@@ -3177,6 +3348,346 @@
 </file>
 
 <file path=ppt/slides/slide4.xml><?xml version="1.0" encoding="utf-8"?>
+<p:sld xmlns:a="http://schemas.openxmlformats.org/drawingml/2006/main" xmlns:r="http://schemas.openxmlformats.org/officeDocument/2006/relationships" xmlns:p="http://schemas.openxmlformats.org/presentationml/2006/main">
+  <p:cSld>
+    <p:spTree>
+      <p:nvGrpSpPr>
+        <p:cNvPr id="1" name=""/>
+        <p:cNvGrpSpPr/>
+        <p:nvPr/>
+      </p:nvGrpSpPr>
+      <p:grpSpPr>
+        <a:xfrm>
+          <a:off x="0" y="0"/>
+          <a:ext cx="0" cy="0"/>
+          <a:chOff x="0" y="0"/>
+          <a:chExt cx="0" cy="0"/>
+        </a:xfrm>
+      </p:grpSpPr>
+      <p:pic>
+        <p:nvPicPr>
+          <p:cNvPr id="5" name="Content Placeholder 4" descr="Screenshot (116).png"/>
+          <p:cNvPicPr>
+            <a:picLocks noGrp="1" noChangeAspect="1"/>
+          </p:cNvPicPr>
+          <p:nvPr>
+            <p:ph sz="half" idx="1"/>
+          </p:nvPr>
+        </p:nvPicPr>
+        <p:blipFill>
+          <a:blip r:embed="rId2" cstate="print"/>
+          <a:stretch>
+            <a:fillRect/>
+          </a:stretch>
+        </p:blipFill>
+        <p:spPr>
+          <a:xfrm>
+            <a:off x="251520" y="0"/>
+            <a:ext cx="3409366" cy="1988840"/>
+          </a:xfrm>
+        </p:spPr>
+      </p:pic>
+      <p:pic>
+        <p:nvPicPr>
+          <p:cNvPr id="17" name="Picture 16" descr="Screenshot (117).png"/>
+          <p:cNvPicPr>
+            <a:picLocks noChangeAspect="1"/>
+          </p:cNvPicPr>
+          <p:nvPr/>
+        </p:nvPicPr>
+        <p:blipFill>
+          <a:blip r:embed="rId3" cstate="print"/>
+          <a:stretch>
+            <a:fillRect/>
+          </a:stretch>
+        </p:blipFill>
+        <p:spPr>
+          <a:xfrm>
+            <a:off x="323528" y="2564904"/>
+            <a:ext cx="3291233" cy="1850415"/>
+          </a:xfrm>
+          <a:prstGeom prst="rect">
+            <a:avLst/>
+          </a:prstGeom>
+        </p:spPr>
+      </p:pic>
+      <p:pic>
+        <p:nvPicPr>
+          <p:cNvPr id="18" name="Picture 17" descr="Screenshot (118).png"/>
+          <p:cNvPicPr>
+            <a:picLocks noChangeAspect="1"/>
+          </p:cNvPicPr>
+          <p:nvPr/>
+        </p:nvPicPr>
+        <p:blipFill>
+          <a:blip r:embed="rId4" cstate="print"/>
+          <a:stretch>
+            <a:fillRect/>
+          </a:stretch>
+        </p:blipFill>
+        <p:spPr>
+          <a:xfrm>
+            <a:off x="323528" y="4797152"/>
+            <a:ext cx="3281288" cy="1844824"/>
+          </a:xfrm>
+          <a:prstGeom prst="rect">
+            <a:avLst/>
+          </a:prstGeom>
+        </p:spPr>
+      </p:pic>
+      <p:pic>
+        <p:nvPicPr>
+          <p:cNvPr id="19" name="Picture 18" descr="Screenshot (119).png"/>
+          <p:cNvPicPr>
+            <a:picLocks noChangeAspect="1"/>
+          </p:cNvPicPr>
+          <p:nvPr/>
+        </p:nvPicPr>
+        <p:blipFill>
+          <a:blip r:embed="rId5" cstate="print"/>
+          <a:stretch>
+            <a:fillRect/>
+          </a:stretch>
+        </p:blipFill>
+        <p:spPr>
+          <a:xfrm>
+            <a:off x="5148064" y="188640"/>
+            <a:ext cx="3291231" cy="1850414"/>
+          </a:xfrm>
+          <a:prstGeom prst="rect">
+            <a:avLst/>
+          </a:prstGeom>
+        </p:spPr>
+      </p:pic>
+      <p:pic>
+        <p:nvPicPr>
+          <p:cNvPr id="20" name="Picture 19" descr="Screenshot (120).png"/>
+          <p:cNvPicPr>
+            <a:picLocks noChangeAspect="1"/>
+          </p:cNvPicPr>
+          <p:nvPr/>
+        </p:nvPicPr>
+        <p:blipFill>
+          <a:blip r:embed="rId6" cstate="print"/>
+          <a:stretch>
+            <a:fillRect/>
+          </a:stretch>
+        </p:blipFill>
+        <p:spPr>
+          <a:xfrm>
+            <a:off x="5148064" y="2492896"/>
+            <a:ext cx="3329995" cy="1872208"/>
+          </a:xfrm>
+          <a:prstGeom prst="rect">
+            <a:avLst/>
+          </a:prstGeom>
+        </p:spPr>
+      </p:pic>
+      <p:pic>
+        <p:nvPicPr>
+          <p:cNvPr id="21" name="Picture 20" descr="Screenshot (121).png"/>
+          <p:cNvPicPr>
+            <a:picLocks noChangeAspect="1"/>
+          </p:cNvPicPr>
+          <p:nvPr/>
+        </p:nvPicPr>
+        <p:blipFill>
+          <a:blip r:embed="rId7" cstate="print"/>
+          <a:stretch>
+            <a:fillRect/>
+          </a:stretch>
+        </p:blipFill>
+        <p:spPr>
+          <a:xfrm>
+            <a:off x="5148064" y="4797152"/>
+            <a:ext cx="3329995" cy="1872208"/>
+          </a:xfrm>
+          <a:prstGeom prst="rect">
+            <a:avLst/>
+          </a:prstGeom>
+        </p:spPr>
+      </p:pic>
+    </p:spTree>
+  </p:cSld>
+  <p:clrMapOvr>
+    <a:masterClrMapping/>
+  </p:clrMapOvr>
+</p:sld>
+</file>
+
+<file path=ppt/slides/slide5.xml><?xml version="1.0" encoding="utf-8"?>
+<p:sld xmlns:a="http://schemas.openxmlformats.org/drawingml/2006/main" xmlns:r="http://schemas.openxmlformats.org/officeDocument/2006/relationships" xmlns:p="http://schemas.openxmlformats.org/presentationml/2006/main">
+  <p:cSld>
+    <p:spTree>
+      <p:nvGrpSpPr>
+        <p:cNvPr id="1" name=""/>
+        <p:cNvGrpSpPr/>
+        <p:nvPr/>
+      </p:nvGrpSpPr>
+      <p:grpSpPr>
+        <a:xfrm>
+          <a:off x="0" y="0"/>
+          <a:ext cx="0" cy="0"/>
+          <a:chOff x="0" y="0"/>
+          <a:chExt cx="0" cy="0"/>
+        </a:xfrm>
+      </p:grpSpPr>
+      <p:pic>
+        <p:nvPicPr>
+          <p:cNvPr id="5" name="Picture 4" descr="Screenshot (122).png"/>
+          <p:cNvPicPr>
+            <a:picLocks noChangeAspect="1"/>
+          </p:cNvPicPr>
+          <p:nvPr/>
+        </p:nvPicPr>
+        <p:blipFill>
+          <a:blip r:embed="rId2" cstate="print"/>
+          <a:stretch>
+            <a:fillRect/>
+          </a:stretch>
+        </p:blipFill>
+        <p:spPr>
+          <a:xfrm>
+            <a:off x="323528" y="188640"/>
+            <a:ext cx="3675461" cy="2066438"/>
+          </a:xfrm>
+          <a:prstGeom prst="rect">
+            <a:avLst/>
+          </a:prstGeom>
+        </p:spPr>
+      </p:pic>
+      <p:pic>
+        <p:nvPicPr>
+          <p:cNvPr id="6" name="Picture 5" descr="Screenshot (122).png"/>
+          <p:cNvPicPr>
+            <a:picLocks noChangeAspect="1"/>
+          </p:cNvPicPr>
+          <p:nvPr/>
+        </p:nvPicPr>
+        <p:blipFill>
+          <a:blip r:embed="rId2" cstate="print"/>
+          <a:stretch>
+            <a:fillRect/>
+          </a:stretch>
+        </p:blipFill>
+        <p:spPr>
+          <a:xfrm>
+            <a:off x="323528" y="2420888"/>
+            <a:ext cx="3675463" cy="2066439"/>
+          </a:xfrm>
+          <a:prstGeom prst="rect">
+            <a:avLst/>
+          </a:prstGeom>
+        </p:spPr>
+      </p:pic>
+      <p:pic>
+        <p:nvPicPr>
+          <p:cNvPr id="7" name="Picture 6" descr="Screenshot (124).png"/>
+          <p:cNvPicPr>
+            <a:picLocks noChangeAspect="1"/>
+          </p:cNvPicPr>
+          <p:nvPr/>
+        </p:nvPicPr>
+        <p:blipFill>
+          <a:blip r:embed="rId3" cstate="print"/>
+          <a:stretch>
+            <a:fillRect/>
+          </a:stretch>
+        </p:blipFill>
+        <p:spPr>
+          <a:xfrm>
+            <a:off x="251520" y="4647545"/>
+            <a:ext cx="3931616" cy="2210455"/>
+          </a:xfrm>
+          <a:prstGeom prst="rect">
+            <a:avLst/>
+          </a:prstGeom>
+        </p:spPr>
+      </p:pic>
+      <p:pic>
+        <p:nvPicPr>
+          <p:cNvPr id="8" name="Picture 7" descr="sms.png"/>
+          <p:cNvPicPr>
+            <a:picLocks noChangeAspect="1"/>
+          </p:cNvPicPr>
+          <p:nvPr/>
+        </p:nvPicPr>
+        <p:blipFill>
+          <a:blip r:embed="rId4" cstate="print"/>
+          <a:stretch>
+            <a:fillRect/>
+          </a:stretch>
+        </p:blipFill>
+        <p:spPr>
+          <a:xfrm>
+            <a:off x="5580112" y="1124744"/>
+            <a:ext cx="2374362" cy="4221088"/>
+          </a:xfrm>
+          <a:prstGeom prst="rect">
+            <a:avLst/>
+          </a:prstGeom>
+        </p:spPr>
+      </p:pic>
+    </p:spTree>
+  </p:cSld>
+  <p:clrMapOvr>
+    <a:masterClrMapping/>
+  </p:clrMapOvr>
+</p:sld>
+</file>
+
+<file path=ppt/slides/slide6.xml><?xml version="1.0" encoding="utf-8"?>
+<p:sld xmlns:a="http://schemas.openxmlformats.org/drawingml/2006/main" xmlns:r="http://schemas.openxmlformats.org/officeDocument/2006/relationships" xmlns:p="http://schemas.openxmlformats.org/presentationml/2006/main">
+  <p:cSld>
+    <p:spTree>
+      <p:nvGrpSpPr>
+        <p:cNvPr id="1" name=""/>
+        <p:cNvGrpSpPr/>
+        <p:nvPr/>
+      </p:nvGrpSpPr>
+      <p:grpSpPr>
+        <a:xfrm>
+          <a:off x="0" y="0"/>
+          <a:ext cx="0" cy="0"/>
+          <a:chOff x="0" y="0"/>
+          <a:chExt cx="0" cy="0"/>
+        </a:xfrm>
+      </p:grpSpPr>
+      <p:pic>
+        <p:nvPicPr>
+          <p:cNvPr id="10242" name="Picture 2" descr="C:\Users\satya_000\Downloads\JPMC CFG (2)\3.jpg"/>
+          <p:cNvPicPr>
+            <a:picLocks noChangeAspect="1" noChangeArrowheads="1"/>
+          </p:cNvPicPr>
+          <p:nvPr/>
+        </p:nvPicPr>
+        <p:blipFill>
+          <a:blip r:embed="rId2" cstate="print"/>
+          <a:srcRect/>
+          <a:stretch>
+            <a:fillRect/>
+          </a:stretch>
+        </p:blipFill>
+        <p:spPr bwMode="auto">
+          <a:xfrm>
+            <a:off x="-304800" y="-228600"/>
+            <a:ext cx="9753600" cy="7315200"/>
+          </a:xfrm>
+          <a:prstGeom prst="rect">
+            <a:avLst/>
+          </a:prstGeom>
+          <a:noFill/>
+        </p:spPr>
+      </p:pic>
+    </p:spTree>
+  </p:cSld>
+  <p:clrMapOvr>
+    <a:masterClrMapping/>
+  </p:clrMapOvr>
+</p:sld>
+</file>
+
+<file path=ppt/slides/slide7.xml><?xml version="1.0" encoding="utf-8"?>
 <p:sld xmlns:a="http://schemas.openxmlformats.org/drawingml/2006/main" xmlns:r="http://schemas.openxmlformats.org/officeDocument/2006/relationships" xmlns:p="http://schemas.openxmlformats.org/presentationml/2006/main">
   <p:cSld>
     <p:spTree>
@@ -3224,10 +3735,17 @@
   <p:clrMapOvr>
     <a:masterClrMapping/>
   </p:clrMapOvr>
+  <p:timing>
+    <p:tnLst>
+      <p:par>
+        <p:cTn id="1" dur="indefinite" restart="never" nodeType="tmRoot"/>
+      </p:par>
+    </p:tnLst>
+  </p:timing>
 </p:sld>
 </file>
 
-<file path=ppt/slides/slide5.xml><?xml version="1.0" encoding="utf-8"?>
+<file path=ppt/slides/slide8.xml><?xml version="1.0" encoding="utf-8"?>
 <p:sld xmlns:a="http://schemas.openxmlformats.org/drawingml/2006/main" xmlns:r="http://schemas.openxmlformats.org/officeDocument/2006/relationships" xmlns:p="http://schemas.openxmlformats.org/presentationml/2006/main">
   <p:cSld>
     <p:spTree>
@@ -3275,10 +3793,17 @@
   <p:clrMapOvr>
     <a:masterClrMapping/>
   </p:clrMapOvr>
+  <p:timing>
+    <p:tnLst>
+      <p:par>
+        <p:cTn id="1" dur="indefinite" restart="never" nodeType="tmRoot"/>
+      </p:par>
+    </p:tnLst>
+  </p:timing>
 </p:sld>
 </file>
 
-<file path=ppt/slides/slide6.xml><?xml version="1.0" encoding="utf-8"?>
+<file path=ppt/slides/slide9.xml><?xml version="1.0" encoding="utf-8"?>
 <p:sld xmlns:a="http://schemas.openxmlformats.org/drawingml/2006/main" xmlns:r="http://schemas.openxmlformats.org/officeDocument/2006/relationships" xmlns:p="http://schemas.openxmlformats.org/presentationml/2006/main">
   <p:cSld>
     <p:spTree>
@@ -3326,6 +3851,13 @@
   <p:clrMapOvr>
     <a:masterClrMapping/>
   </p:clrMapOvr>
+  <p:timing>
+    <p:tnLst>
+      <p:par>
+        <p:cTn id="1" dur="indefinite" restart="never" nodeType="tmRoot"/>
+      </p:par>
+    </p:tnLst>
+  </p:timing>
 </p:sld>
 </file>
 
